--- a/UI设计.pptx
+++ b/UI设计.pptx
@@ -261,7 +261,7 @@
           <a:p>
             <a:fld id="{0ABB79B0-0C2D-4E1D-8D56-DB7BFA597166}" type="datetimeFigureOut">
               <a:rPr lang="zh-CN" altLang="en-US" smtClean="0"/>
-              <a:t>2025/5/19</a:t>
+              <a:t>2025/5/21</a:t>
             </a:fld>
             <a:endParaRPr lang="zh-CN" altLang="en-US"/>
           </a:p>
@@ -459,7 +459,7 @@
           <a:p>
             <a:fld id="{0ABB79B0-0C2D-4E1D-8D56-DB7BFA597166}" type="datetimeFigureOut">
               <a:rPr lang="zh-CN" altLang="en-US" smtClean="0"/>
-              <a:t>2025/5/19</a:t>
+              <a:t>2025/5/21</a:t>
             </a:fld>
             <a:endParaRPr lang="zh-CN" altLang="en-US"/>
           </a:p>
@@ -667,7 +667,7 @@
           <a:p>
             <a:fld id="{0ABB79B0-0C2D-4E1D-8D56-DB7BFA597166}" type="datetimeFigureOut">
               <a:rPr lang="zh-CN" altLang="en-US" smtClean="0"/>
-              <a:t>2025/5/19</a:t>
+              <a:t>2025/5/21</a:t>
             </a:fld>
             <a:endParaRPr lang="zh-CN" altLang="en-US"/>
           </a:p>
@@ -865,7 +865,7 @@
           <a:p>
             <a:fld id="{0ABB79B0-0C2D-4E1D-8D56-DB7BFA597166}" type="datetimeFigureOut">
               <a:rPr lang="zh-CN" altLang="en-US" smtClean="0"/>
-              <a:t>2025/5/19</a:t>
+              <a:t>2025/5/21</a:t>
             </a:fld>
             <a:endParaRPr lang="zh-CN" altLang="en-US"/>
           </a:p>
@@ -1140,7 +1140,7 @@
           <a:p>
             <a:fld id="{0ABB79B0-0C2D-4E1D-8D56-DB7BFA597166}" type="datetimeFigureOut">
               <a:rPr lang="zh-CN" altLang="en-US" smtClean="0"/>
-              <a:t>2025/5/19</a:t>
+              <a:t>2025/5/21</a:t>
             </a:fld>
             <a:endParaRPr lang="zh-CN" altLang="en-US"/>
           </a:p>
@@ -1405,7 +1405,7 @@
           <a:p>
             <a:fld id="{0ABB79B0-0C2D-4E1D-8D56-DB7BFA597166}" type="datetimeFigureOut">
               <a:rPr lang="zh-CN" altLang="en-US" smtClean="0"/>
-              <a:t>2025/5/19</a:t>
+              <a:t>2025/5/21</a:t>
             </a:fld>
             <a:endParaRPr lang="zh-CN" altLang="en-US"/>
           </a:p>
@@ -1817,7 +1817,7 @@
           <a:p>
             <a:fld id="{0ABB79B0-0C2D-4E1D-8D56-DB7BFA597166}" type="datetimeFigureOut">
               <a:rPr lang="zh-CN" altLang="en-US" smtClean="0"/>
-              <a:t>2025/5/19</a:t>
+              <a:t>2025/5/21</a:t>
             </a:fld>
             <a:endParaRPr lang="zh-CN" altLang="en-US"/>
           </a:p>
@@ -1958,7 +1958,7 @@
           <a:p>
             <a:fld id="{0ABB79B0-0C2D-4E1D-8D56-DB7BFA597166}" type="datetimeFigureOut">
               <a:rPr lang="zh-CN" altLang="en-US" smtClean="0"/>
-              <a:t>2025/5/19</a:t>
+              <a:t>2025/5/21</a:t>
             </a:fld>
             <a:endParaRPr lang="zh-CN" altLang="en-US"/>
           </a:p>
@@ -2071,7 +2071,7 @@
           <a:p>
             <a:fld id="{0ABB79B0-0C2D-4E1D-8D56-DB7BFA597166}" type="datetimeFigureOut">
               <a:rPr lang="zh-CN" altLang="en-US" smtClean="0"/>
-              <a:t>2025/5/19</a:t>
+              <a:t>2025/5/21</a:t>
             </a:fld>
             <a:endParaRPr lang="zh-CN" altLang="en-US"/>
           </a:p>
@@ -2382,7 +2382,7 @@
           <a:p>
             <a:fld id="{0ABB79B0-0C2D-4E1D-8D56-DB7BFA597166}" type="datetimeFigureOut">
               <a:rPr lang="zh-CN" altLang="en-US" smtClean="0"/>
-              <a:t>2025/5/19</a:t>
+              <a:t>2025/5/21</a:t>
             </a:fld>
             <a:endParaRPr lang="zh-CN" altLang="en-US"/>
           </a:p>
@@ -2670,7 +2670,7 @@
           <a:p>
             <a:fld id="{0ABB79B0-0C2D-4E1D-8D56-DB7BFA597166}" type="datetimeFigureOut">
               <a:rPr lang="zh-CN" altLang="en-US" smtClean="0"/>
-              <a:t>2025/5/19</a:t>
+              <a:t>2025/5/21</a:t>
             </a:fld>
             <a:endParaRPr lang="zh-CN" altLang="en-US"/>
           </a:p>
@@ -2911,7 +2911,7 @@
           <a:p>
             <a:fld id="{0ABB79B0-0C2D-4E1D-8D56-DB7BFA597166}" type="datetimeFigureOut">
               <a:rPr lang="zh-CN" altLang="en-US" smtClean="0"/>
-              <a:t>2025/5/19</a:t>
+              <a:t>2025/5/21</a:t>
             </a:fld>
             <a:endParaRPr lang="zh-CN" altLang="en-US"/>
           </a:p>
@@ -5832,8 +5832,8 @@
           </a:p>
           <a:p>
             <a:r>
-              <a:rPr lang="zh-CN" altLang="en-US" sz="1100" dirty="0"/>
-              <a:t>是否添加评估页面；</a:t>
+              <a:rPr lang="zh-CN" altLang="en-US" sz="1100"/>
+              <a:t>；</a:t>
             </a:r>
             <a:endParaRPr lang="en-US" altLang="zh-CN" sz="1100" dirty="0"/>
           </a:p>
